--- a/1HUST-Theme-PPT/v3留边白底16-9.pptx
+++ b/1HUST-Theme-PPT/v3留边白底16-9.pptx
@@ -204,7 +204,7 @@
           <a:p>
             <a:fld id="{BDA51940-DB52-3B48-AABB-9C7938529E4E}" type="datetimeFigureOut">
               <a:rPr kumimoji="1" lang="zh-CN" altLang="en-US" smtClean="0"/>
-              <a:t>2026/1/18</a:t>
+              <a:t>2026/1/21</a:t>
             </a:fld>
             <a:endParaRPr kumimoji="1" lang="zh-CN" altLang="en-US"/>
           </a:p>
@@ -891,7 +891,7 @@
             </a:pPr>
             <a:fld id="{E4551058-E5DB-324A-A8E9-6D3BEF243C3B}" type="datetimeFigureOut">
               <a:rPr kumimoji="1" lang="zh-CN" altLang="en-US" smtClean="0"/>
-              <a:t>2026/1/18</a:t>
+              <a:t>2026/1/21</a:t>
             </a:fld>
             <a:endParaRPr kumimoji="1" lang="zh-CN" altLang="en-US"/>
           </a:p>
@@ -1276,7 +1276,7 @@
             </a:pPr>
             <a:fld id="{E4551058-E5DB-324A-A8E9-6D3BEF243C3B}" type="datetimeFigureOut">
               <a:rPr kumimoji="1" lang="zh-CN" altLang="en-US" smtClean="0"/>
-              <a:t>2026/1/18</a:t>
+              <a:t>2026/1/21</a:t>
             </a:fld>
             <a:endParaRPr kumimoji="1" lang="zh-CN" altLang="en-US"/>
           </a:p>
@@ -1616,7 +1616,7 @@
             </a:pPr>
             <a:fld id="{E4551058-E5DB-324A-A8E9-6D3BEF243C3B}" type="datetimeFigureOut">
               <a:rPr kumimoji="1" lang="zh-CN" altLang="en-US" smtClean="0"/>
-              <a:t>2026/1/18</a:t>
+              <a:t>2026/1/21</a:t>
             </a:fld>
             <a:endParaRPr kumimoji="1" lang="zh-CN" altLang="en-US"/>
           </a:p>
@@ -1957,7 +1957,7 @@
             </a:pPr>
             <a:fld id="{E4551058-E5DB-324A-A8E9-6D3BEF243C3B}" type="datetimeFigureOut">
               <a:rPr kumimoji="1" lang="zh-CN" altLang="en-US" smtClean="0"/>
-              <a:t>2026/1/18</a:t>
+              <a:t>2026/1/21</a:t>
             </a:fld>
             <a:endParaRPr kumimoji="1" lang="zh-CN" altLang="en-US"/>
           </a:p>
@@ -2283,7 +2283,7 @@
             </a:pPr>
             <a:fld id="{E4551058-E5DB-324A-A8E9-6D3BEF243C3B}" type="datetimeFigureOut">
               <a:rPr kumimoji="1" lang="zh-CN" altLang="en-US" smtClean="0"/>
-              <a:t>2026/1/18</a:t>
+              <a:t>2026/1/21</a:t>
             </a:fld>
             <a:endParaRPr kumimoji="1" lang="zh-CN" altLang="en-US"/>
           </a:p>
@@ -2635,7 +2635,7 @@
             </a:pPr>
             <a:fld id="{E4551058-E5DB-324A-A8E9-6D3BEF243C3B}" type="datetimeFigureOut">
               <a:rPr kumimoji="1" lang="zh-CN" altLang="en-US" smtClean="0"/>
-              <a:t>2026/1/18</a:t>
+              <a:t>2026/1/21</a:t>
             </a:fld>
             <a:endParaRPr kumimoji="1" lang="zh-CN" altLang="en-US"/>
           </a:p>
@@ -3245,7 +3245,7 @@
             </a:pPr>
             <a:fld id="{E4551058-E5DB-324A-A8E9-6D3BEF243C3B}" type="datetimeFigureOut">
               <a:rPr kumimoji="1" lang="zh-CN" altLang="en-US" smtClean="0"/>
-              <a:t>2026/1/18</a:t>
+              <a:t>2026/1/21</a:t>
             </a:fld>
             <a:endParaRPr kumimoji="1" lang="zh-CN" altLang="en-US"/>
           </a:p>
@@ -3629,7 +3629,7 @@
             </a:pPr>
             <a:fld id="{E4551058-E5DB-324A-A8E9-6D3BEF243C3B}" type="datetimeFigureOut">
               <a:rPr kumimoji="1" lang="zh-CN" altLang="en-US" smtClean="0"/>
-              <a:t>2026/1/18</a:t>
+              <a:t>2026/1/21</a:t>
             </a:fld>
             <a:endParaRPr kumimoji="1" lang="zh-CN" altLang="en-US"/>
           </a:p>
@@ -4140,7 +4140,7 @@
             </a:pPr>
             <a:fld id="{E4551058-E5DB-324A-A8E9-6D3BEF243C3B}" type="datetimeFigureOut">
               <a:rPr kumimoji="1" lang="zh-CN" altLang="en-US" smtClean="0"/>
-              <a:t>2026/1/18</a:t>
+              <a:t>2026/1/21</a:t>
             </a:fld>
             <a:endParaRPr kumimoji="1" lang="zh-CN" altLang="en-US"/>
           </a:p>
@@ -4307,7 +4307,7 @@
             </a:pPr>
             <a:fld id="{E4551058-E5DB-324A-A8E9-6D3BEF243C3B}" type="datetimeFigureOut">
               <a:rPr kumimoji="1" lang="zh-CN" altLang="en-US" smtClean="0"/>
-              <a:t>2026/1/18</a:t>
+              <a:t>2026/1/21</a:t>
             </a:fld>
             <a:endParaRPr kumimoji="1" lang="zh-CN" altLang="en-US"/>
           </a:p>
@@ -4474,7 +4474,7 @@
             </a:pPr>
             <a:fld id="{E4551058-E5DB-324A-A8E9-6D3BEF243C3B}" type="datetimeFigureOut">
               <a:rPr kumimoji="1" lang="zh-CN" altLang="en-US" smtClean="0"/>
-              <a:t>2026/1/18</a:t>
+              <a:t>2026/1/21</a:t>
             </a:fld>
             <a:endParaRPr kumimoji="1" lang="zh-CN" altLang="en-US"/>
           </a:p>
@@ -5097,7 +5097,7 @@
             </a:pPr>
             <a:fld id="{E4551058-E5DB-324A-A8E9-6D3BEF243C3B}" type="datetimeFigureOut">
               <a:rPr kumimoji="1" lang="zh-CN" altLang="en-US" smtClean="0"/>
-              <a:t>2026/1/18</a:t>
+              <a:t>2026/1/21</a:t>
             </a:fld>
             <a:endParaRPr kumimoji="1" lang="zh-CN" altLang="en-US"/>
           </a:p>
@@ -5526,7 +5526,7 @@
             </a:pPr>
             <a:fld id="{E4551058-E5DB-324A-A8E9-6D3BEF243C3B}" type="datetimeFigureOut">
               <a:rPr kumimoji="1" lang="zh-CN" altLang="en-US" smtClean="0"/>
-              <a:t>2026/1/18</a:t>
+              <a:t>2026/1/21</a:t>
             </a:fld>
             <a:endParaRPr kumimoji="1" lang="zh-CN" altLang="en-US"/>
           </a:p>
@@ -6135,7 +6135,7 @@
         </p:nvSpPr>
         <p:spPr>
           <a:ln>
-            <a:solidFill/>
+            <a:noFill/>
           </a:ln>
         </p:spPr>
         <p:txBody>
@@ -6202,7 +6202,7 @@
         </p:nvSpPr>
         <p:spPr>
           <a:ln>
-            <a:solidFill/>
+            <a:noFill/>
           </a:ln>
         </p:spPr>
         <p:txBody>
@@ -6338,7 +6338,7 @@
         </p:nvSpPr>
         <p:spPr>
           <a:ln>
-            <a:solidFill/>
+            <a:noFill/>
           </a:ln>
         </p:spPr>
         <p:txBody>
@@ -6377,7 +6377,7 @@
         </p:nvSpPr>
         <p:spPr>
           <a:ln>
-            <a:solidFill/>
+            <a:noFill/>
           </a:ln>
         </p:spPr>
         <p:txBody>
@@ -6494,7 +6494,7 @@
         </p:nvSpPr>
         <p:spPr>
           <a:ln>
-            <a:solidFill/>
+            <a:noFill/>
           </a:ln>
         </p:spPr>
         <p:txBody>
@@ -6673,7 +6673,7 @@
         </p:nvSpPr>
         <p:spPr>
           <a:ln>
-            <a:solidFill/>
+            <a:noFill/>
           </a:ln>
         </p:spPr>
         <p:txBody>
@@ -6748,7 +6748,7 @@
         </p:nvSpPr>
         <p:spPr>
           <a:ln>
-            <a:solidFill/>
+            <a:noFill/>
           </a:ln>
         </p:spPr>
         <p:txBody>
@@ -6788,7 +6788,7 @@
         </p:nvSpPr>
         <p:spPr>
           <a:ln>
-            <a:solidFill/>
+            <a:noFill/>
           </a:ln>
         </p:spPr>
         <p:txBody>
@@ -6894,7 +6894,7 @@
         </p:nvSpPr>
         <p:spPr>
           <a:ln>
-            <a:solidFill/>
+            <a:noFill/>
           </a:ln>
         </p:spPr>
         <p:txBody>
@@ -6934,7 +6934,7 @@
         </p:nvSpPr>
         <p:spPr>
           <a:ln>
-            <a:solidFill/>
+            <a:noFill/>
           </a:ln>
         </p:spPr>
         <p:txBody>
@@ -7079,7 +7079,7 @@
         </p:nvSpPr>
         <p:spPr>
           <a:ln>
-            <a:solidFill/>
+            <a:noFill/>
           </a:ln>
         </p:spPr>
         <p:txBody>
@@ -7154,7 +7154,7 @@
         </p:nvSpPr>
         <p:spPr>
           <a:ln>
-            <a:solidFill/>
+            <a:noFill/>
           </a:ln>
         </p:spPr>
         <p:txBody>
@@ -7193,7 +7193,7 @@
         </p:nvSpPr>
         <p:spPr>
           <a:ln>
-            <a:solidFill/>
+            <a:noFill/>
           </a:ln>
         </p:spPr>
         <p:txBody>
@@ -7268,7 +7268,7 @@
         </p:nvSpPr>
         <p:spPr>
           <a:ln>
-            <a:solidFill/>
+            <a:noFill/>
           </a:ln>
         </p:spPr>
         <p:txBody>
@@ -7307,7 +7307,7 @@
         </p:nvSpPr>
         <p:spPr>
           <a:ln>
-            <a:solidFill/>
+            <a:noFill/>
           </a:ln>
         </p:spPr>
         <p:txBody>
@@ -7389,7 +7389,7 @@
         </p:nvSpPr>
         <p:spPr>
           <a:ln>
-            <a:solidFill/>
+            <a:noFill/>
           </a:ln>
         </p:spPr>
         <p:txBody>
@@ -7450,7 +7450,7 @@
         </p:nvSpPr>
         <p:spPr>
           <a:ln>
-            <a:solidFill/>
+            <a:noFill/>
           </a:ln>
         </p:spPr>
         <p:txBody>
@@ -7525,7 +7525,7 @@
         </p:nvSpPr>
         <p:spPr>
           <a:ln>
-            <a:solidFill/>
+            <a:noFill/>
           </a:ln>
         </p:spPr>
         <p:txBody>
@@ -7564,7 +7564,7 @@
         </p:nvSpPr>
         <p:spPr>
           <a:ln>
-            <a:solidFill/>
+            <a:noFill/>
           </a:ln>
         </p:spPr>
         <p:txBody>
